--- a/Presentatie design pattern.pptx
+++ b/Presentatie design pattern.pptx
@@ -6253,7 +6253,7 @@
                                           </p:stCondLst>
                                         </p:cTn>
                                         <p:tgtEl>
-                                          <p:spTgt spid="5"/>
+                                          <p:spTgt spid="7"/>
                                         </p:tgtEl>
                                         <p:attrNameLst>
                                           <p:attrName>style.visibility</p:attrName>
@@ -6267,7 +6267,7 @@
                                       <p:cBhvr>
                                         <p:cTn id="10" dur="500"/>
                                         <p:tgtEl>
-                                          <p:spTgt spid="5"/>
+                                          <p:spTgt spid="7"/>
                                         </p:tgtEl>
                                       </p:cBhvr>
                                     </p:animEffect>
@@ -6341,7 +6341,7 @@
                                           </p:stCondLst>
                                         </p:cTn>
                                         <p:tgtEl>
-                                          <p:spTgt spid="7"/>
+                                          <p:spTgt spid="5"/>
                                         </p:tgtEl>
                                         <p:attrNameLst>
                                           <p:attrName>style.visibility</p:attrName>
@@ -6355,7 +6355,7 @@
                                       <p:cBhvr>
                                         <p:cTn id="18" dur="500"/>
                                         <p:tgtEl>
-                                          <p:spTgt spid="7"/>
+                                          <p:spTgt spid="5"/>
                                         </p:tgtEl>
                                       </p:cBhvr>
                                     </p:animEffect>
@@ -6488,8 +6488,8 @@
         </p:blipFill>
         <p:spPr bwMode="auto">
           <a:xfrm>
-            <a:off x="5113464" y="1906413"/>
-            <a:ext cx="5327411" cy="2593975"/>
+            <a:off x="5208814" y="1906414"/>
+            <a:ext cx="4799354" cy="2336858"/>
           </a:xfrm>
           <a:prstGeom prst="rect">
             <a:avLst/>
